--- a/bot_conv_flow.pptx
+++ b/bot_conv_flow.pptx
@@ -104,15 +104,113 @@
       </a:defRPr>
     </a:lvl9pPr>
   </p:defaultTextStyle>
+  <p:extLst>
+    <p:ext uri="{EFAFB233-063F-42B5-8137-9DF3F51BA10A}">
+      <p15:sldGuideLst xmlns:p15="http://schemas.microsoft.com/office/powerpoint/2012/main"/>
+    </p:ext>
+  </p:extLst>
 </p:presentation>
 </file>
 
 <file path=ppt/revisionInfo.xml><?xml version="1.0" encoding="utf-8"?>
 <p1510:revInfo xmlns:a="http://schemas.openxmlformats.org/drawingml/2006/main" xmlns:r="http://schemas.openxmlformats.org/officeDocument/2006/relationships" xmlns:p1510="http://schemas.microsoft.com/office/powerpoint/2015/10/main">
   <p1510:revLst>
-    <p1510:client id="{C41BAD89-904C-4B46-AD32-F9CFEC817DBD}" v="24" dt="2020-11-30T07:19:49.888"/>
+    <p1510:client id="{C41BAD89-904C-4B46-AD32-F9CFEC817DBD}" v="30" dt="2020-12-01T08:56:25.708"/>
   </p1510:revLst>
 </p1510:revInfo>
+</file>
+
+<file path=ppt/changesInfos/changesInfo1.xml><?xml version="1.0" encoding="utf-8"?>
+<pc:chgInfo xmlns:a="http://schemas.openxmlformats.org/drawingml/2006/main" xmlns:r="http://schemas.openxmlformats.org/officeDocument/2006/relationships" xmlns:ac="http://schemas.microsoft.com/office/drawing/2013/main/command" xmlns:pc="http://schemas.microsoft.com/office/powerpoint/2013/main/command">
+  <pc:docChgLst>
+    <pc:chgData name="Sergey Sazonov" userId="d3acab43254fda76" providerId="LiveId" clId="{C41BAD89-904C-4B46-AD32-F9CFEC817DBD}"/>
+    <pc:docChg chg="undo custSel modSld">
+      <pc:chgData name="Sergey Sazonov" userId="d3acab43254fda76" providerId="LiveId" clId="{C41BAD89-904C-4B46-AD32-F9CFEC817DBD}" dt="2020-12-01T08:57:04.007" v="138" actId="20577"/>
+      <pc:docMkLst>
+        <pc:docMk/>
+      </pc:docMkLst>
+      <pc:sldChg chg="addSp delSp modSp mod">
+        <pc:chgData name="Sergey Sazonov" userId="d3acab43254fda76" providerId="LiveId" clId="{C41BAD89-904C-4B46-AD32-F9CFEC817DBD}" dt="2020-12-01T08:57:04.007" v="138" actId="20577"/>
+        <pc:sldMkLst>
+          <pc:docMk/>
+          <pc:sldMk cId="1375556636" sldId="256"/>
+        </pc:sldMkLst>
+        <pc:spChg chg="add del">
+          <ac:chgData name="Sergey Sazonov" userId="d3acab43254fda76" providerId="LiveId" clId="{C41BAD89-904C-4B46-AD32-F9CFEC817DBD}" dt="2020-12-01T08:54:37.793" v="1" actId="11529"/>
+          <ac:spMkLst>
+            <pc:docMk/>
+            <pc:sldMk cId="1375556636" sldId="256"/>
+            <ac:spMk id="2" creationId="{45488B12-8353-6845-9503-64729E1B16B7}"/>
+          </ac:spMkLst>
+        </pc:spChg>
+        <pc:spChg chg="add mod">
+          <ac:chgData name="Sergey Sazonov" userId="d3acab43254fda76" providerId="LiveId" clId="{C41BAD89-904C-4B46-AD32-F9CFEC817DBD}" dt="2020-12-01T08:55:02.033" v="5" actId="1076"/>
+          <ac:spMkLst>
+            <pc:docMk/>
+            <pc:sldMk cId="1375556636" sldId="256"/>
+            <ac:spMk id="3" creationId="{4E5D4947-56A3-BD4F-BA43-C1C70F7EE8AB}"/>
+          </ac:spMkLst>
+        </pc:spChg>
+        <pc:spChg chg="add mod">
+          <ac:chgData name="Sergey Sazonov" userId="d3acab43254fda76" providerId="LiveId" clId="{C41BAD89-904C-4B46-AD32-F9CFEC817DBD}" dt="2020-12-01T08:55:41.454" v="41" actId="1076"/>
+          <ac:spMkLst>
+            <pc:docMk/>
+            <pc:sldMk cId="1375556636" sldId="256"/>
+            <ac:spMk id="5" creationId="{A2D274E5-A5E3-2D4E-B3B6-5A35A8B28070}"/>
+          </ac:spMkLst>
+        </pc:spChg>
+        <pc:spChg chg="add mod">
+          <ac:chgData name="Sergey Sazonov" userId="d3acab43254fda76" providerId="LiveId" clId="{C41BAD89-904C-4B46-AD32-F9CFEC817DBD}" dt="2020-12-01T08:56:07.362" v="62" actId="20577"/>
+          <ac:spMkLst>
+            <pc:docMk/>
+            <pc:sldMk cId="1375556636" sldId="256"/>
+            <ac:spMk id="12" creationId="{6132A517-46CB-4A4E-BB8F-CE1FE90410BE}"/>
+          </ac:spMkLst>
+        </pc:spChg>
+        <pc:spChg chg="add mod">
+          <ac:chgData name="Sergey Sazonov" userId="d3acab43254fda76" providerId="LiveId" clId="{C41BAD89-904C-4B46-AD32-F9CFEC817DBD}" dt="2020-12-01T08:55:13.984" v="8" actId="14100"/>
+          <ac:spMkLst>
+            <pc:docMk/>
+            <pc:sldMk cId="1375556636" sldId="256"/>
+            <ac:spMk id="33" creationId="{2685379E-F612-B841-B194-7CABA889C392}"/>
+          </ac:spMkLst>
+        </pc:spChg>
+        <pc:spChg chg="add mod">
+          <ac:chgData name="Sergey Sazonov" userId="d3acab43254fda76" providerId="LiveId" clId="{C41BAD89-904C-4B46-AD32-F9CFEC817DBD}" dt="2020-12-01T08:55:21.963" v="11" actId="14100"/>
+          <ac:spMkLst>
+            <pc:docMk/>
+            <pc:sldMk cId="1375556636" sldId="256"/>
+            <ac:spMk id="35" creationId="{4AF907E9-817C-1041-9A0F-3FDE125D989B}"/>
+          </ac:spMkLst>
+        </pc:spChg>
+        <pc:spChg chg="add mod">
+          <ac:chgData name="Sergey Sazonov" userId="d3acab43254fda76" providerId="LiveId" clId="{C41BAD89-904C-4B46-AD32-F9CFEC817DBD}" dt="2020-12-01T08:56:58.667" v="136" actId="404"/>
+          <ac:spMkLst>
+            <pc:docMk/>
+            <pc:sldMk cId="1375556636" sldId="256"/>
+            <ac:spMk id="39" creationId="{B6F0F781-7BC5-AA41-8F93-AB2683B9A122}"/>
+          </ac:spMkLst>
+        </pc:spChg>
+        <pc:spChg chg="add mod">
+          <ac:chgData name="Sergey Sazonov" userId="d3acab43254fda76" providerId="LiveId" clId="{C41BAD89-904C-4B46-AD32-F9CFEC817DBD}" dt="2020-12-01T08:57:04.007" v="138" actId="20577"/>
+          <ac:spMkLst>
+            <pc:docMk/>
+            <pc:sldMk cId="1375556636" sldId="256"/>
+            <ac:spMk id="41" creationId="{8E5A88A2-0C26-644C-99A8-F608E0AA1341}"/>
+          </ac:spMkLst>
+        </pc:spChg>
+        <pc:spChg chg="add mod">
+          <ac:chgData name="Sergey Sazonov" userId="d3acab43254fda76" providerId="LiveId" clId="{C41BAD89-904C-4B46-AD32-F9CFEC817DBD}" dt="2020-12-01T08:56:26.861" v="72" actId="1076"/>
+          <ac:spMkLst>
+            <pc:docMk/>
+            <pc:sldMk cId="1375556636" sldId="256"/>
+            <ac:spMk id="42" creationId="{7BAACD10-8591-C545-B8C2-C48A8E5F54A6}"/>
+          </ac:spMkLst>
+        </pc:spChg>
+      </pc:sldChg>
+    </pc:docChg>
+  </pc:docChgLst>
+</pc:chgInfo>
 </file>
 
 <file path=ppt/slideLayouts/slideLayout1.xml><?xml version="1.0" encoding="utf-8"?>
@@ -264,7 +362,7 @@
           <a:p>
             <a:fld id="{2F5887EE-5736-834B-BABA-0F46CCCE1497}" type="datetimeFigureOut">
               <a:rPr lang="en-RU" smtClean="0"/>
-              <a:t>30.11.2020</a:t>
+              <a:t>01.12.2020</a:t>
             </a:fld>
             <a:endParaRPr lang="en-RU"/>
           </a:p>
@@ -464,7 +562,7 @@
           <a:p>
             <a:fld id="{2F5887EE-5736-834B-BABA-0F46CCCE1497}" type="datetimeFigureOut">
               <a:rPr lang="en-RU" smtClean="0"/>
-              <a:t>30.11.2020</a:t>
+              <a:t>01.12.2020</a:t>
             </a:fld>
             <a:endParaRPr lang="en-RU"/>
           </a:p>
@@ -674,7 +772,7 @@
           <a:p>
             <a:fld id="{2F5887EE-5736-834B-BABA-0F46CCCE1497}" type="datetimeFigureOut">
               <a:rPr lang="en-RU" smtClean="0"/>
-              <a:t>30.11.2020</a:t>
+              <a:t>01.12.2020</a:t>
             </a:fld>
             <a:endParaRPr lang="en-RU"/>
           </a:p>
@@ -874,7 +972,7 @@
           <a:p>
             <a:fld id="{2F5887EE-5736-834B-BABA-0F46CCCE1497}" type="datetimeFigureOut">
               <a:rPr lang="en-RU" smtClean="0"/>
-              <a:t>30.11.2020</a:t>
+              <a:t>01.12.2020</a:t>
             </a:fld>
             <a:endParaRPr lang="en-RU"/>
           </a:p>
@@ -1150,7 +1248,7 @@
           <a:p>
             <a:fld id="{2F5887EE-5736-834B-BABA-0F46CCCE1497}" type="datetimeFigureOut">
               <a:rPr lang="en-RU" smtClean="0"/>
-              <a:t>30.11.2020</a:t>
+              <a:t>01.12.2020</a:t>
             </a:fld>
             <a:endParaRPr lang="en-RU"/>
           </a:p>
@@ -1418,7 +1516,7 @@
           <a:p>
             <a:fld id="{2F5887EE-5736-834B-BABA-0F46CCCE1497}" type="datetimeFigureOut">
               <a:rPr lang="en-RU" smtClean="0"/>
-              <a:t>30.11.2020</a:t>
+              <a:t>01.12.2020</a:t>
             </a:fld>
             <a:endParaRPr lang="en-RU"/>
           </a:p>
@@ -1833,7 +1931,7 @@
           <a:p>
             <a:fld id="{2F5887EE-5736-834B-BABA-0F46CCCE1497}" type="datetimeFigureOut">
               <a:rPr lang="en-RU" smtClean="0"/>
-              <a:t>30.11.2020</a:t>
+              <a:t>01.12.2020</a:t>
             </a:fld>
             <a:endParaRPr lang="en-RU"/>
           </a:p>
@@ -1975,7 +2073,7 @@
           <a:p>
             <a:fld id="{2F5887EE-5736-834B-BABA-0F46CCCE1497}" type="datetimeFigureOut">
               <a:rPr lang="en-RU" smtClean="0"/>
-              <a:t>30.11.2020</a:t>
+              <a:t>01.12.2020</a:t>
             </a:fld>
             <a:endParaRPr lang="en-RU"/>
           </a:p>
@@ -2088,7 +2186,7 @@
           <a:p>
             <a:fld id="{2F5887EE-5736-834B-BABA-0F46CCCE1497}" type="datetimeFigureOut">
               <a:rPr lang="en-RU" smtClean="0"/>
-              <a:t>30.11.2020</a:t>
+              <a:t>01.12.2020</a:t>
             </a:fld>
             <a:endParaRPr lang="en-RU"/>
           </a:p>
@@ -2401,7 +2499,7 @@
           <a:p>
             <a:fld id="{2F5887EE-5736-834B-BABA-0F46CCCE1497}" type="datetimeFigureOut">
               <a:rPr lang="en-RU" smtClean="0"/>
-              <a:t>30.11.2020</a:t>
+              <a:t>01.12.2020</a:t>
             </a:fld>
             <a:endParaRPr lang="en-RU"/>
           </a:p>
@@ -2690,7 +2788,7 @@
           <a:p>
             <a:fld id="{2F5887EE-5736-834B-BABA-0F46CCCE1497}" type="datetimeFigureOut">
               <a:rPr lang="en-RU" smtClean="0"/>
-              <a:t>30.11.2020</a:t>
+              <a:t>01.12.2020</a:t>
             </a:fld>
             <a:endParaRPr lang="en-RU"/>
           </a:p>
@@ -2933,7 +3031,7 @@
           <a:p>
             <a:fld id="{2F5887EE-5736-834B-BABA-0F46CCCE1497}" type="datetimeFigureOut">
               <a:rPr lang="en-RU" smtClean="0"/>
-              <a:t>30.11.2020</a:t>
+              <a:t>01.12.2020</a:t>
             </a:fld>
             <a:endParaRPr lang="en-RU"/>
           </a:p>
@@ -4681,6 +4779,378 @@
           </a:fontRef>
         </p:style>
       </p:cxnSp>
+      <p:sp>
+        <p:nvSpPr>
+          <p:cNvPr id="3" name="Left Brace 2">
+            <a:extLst>
+              <a:ext uri="{FF2B5EF4-FFF2-40B4-BE49-F238E27FC236}">
+                <a16:creationId xmlns:a16="http://schemas.microsoft.com/office/drawing/2014/main" id="{4E5D4947-56A3-BD4F-BA43-C1C70F7EE8AB}"/>
+              </a:ext>
+            </a:extLst>
+          </p:cNvPr>
+          <p:cNvSpPr/>
+          <p:nvPr/>
+        </p:nvSpPr>
+        <p:spPr>
+          <a:xfrm rot="16200000">
+            <a:off x="1688025" y="2919048"/>
+            <a:ext cx="304800" cy="1699847"/>
+          </a:xfrm>
+          <a:prstGeom prst="leftBrace">
+            <a:avLst/>
+          </a:prstGeom>
+        </p:spPr>
+        <p:style>
+          <a:lnRef idx="1">
+            <a:schemeClr val="accent1"/>
+          </a:lnRef>
+          <a:fillRef idx="0">
+            <a:schemeClr val="accent1"/>
+          </a:fillRef>
+          <a:effectRef idx="0">
+            <a:schemeClr val="accent1"/>
+          </a:effectRef>
+          <a:fontRef idx="minor">
+            <a:schemeClr val="tx1"/>
+          </a:fontRef>
+        </p:style>
+        <p:txBody>
+          <a:bodyPr rtlCol="0" anchor="ctr"/>
+          <a:lstStyle/>
+          <a:p>
+            <a:pPr algn="ctr"/>
+            <a:endParaRPr lang="en-RU"/>
+          </a:p>
+        </p:txBody>
+      </p:sp>
+      <p:sp>
+        <p:nvSpPr>
+          <p:cNvPr id="33" name="Left Brace 32">
+            <a:extLst>
+              <a:ext uri="{FF2B5EF4-FFF2-40B4-BE49-F238E27FC236}">
+                <a16:creationId xmlns:a16="http://schemas.microsoft.com/office/drawing/2014/main" id="{2685379E-F612-B841-B194-7CABA889C392}"/>
+              </a:ext>
+            </a:extLst>
+          </p:cNvPr>
+          <p:cNvSpPr/>
+          <p:nvPr/>
+        </p:nvSpPr>
+        <p:spPr>
+          <a:xfrm rot="16200000">
+            <a:off x="3752086" y="2586641"/>
+            <a:ext cx="304800" cy="2364661"/>
+          </a:xfrm>
+          <a:prstGeom prst="leftBrace">
+            <a:avLst/>
+          </a:prstGeom>
+        </p:spPr>
+        <p:style>
+          <a:lnRef idx="1">
+            <a:schemeClr val="accent1"/>
+          </a:lnRef>
+          <a:fillRef idx="0">
+            <a:schemeClr val="accent1"/>
+          </a:fillRef>
+          <a:effectRef idx="0">
+            <a:schemeClr val="accent1"/>
+          </a:effectRef>
+          <a:fontRef idx="minor">
+            <a:schemeClr val="tx1"/>
+          </a:fontRef>
+        </p:style>
+        <p:txBody>
+          <a:bodyPr rtlCol="0" anchor="ctr"/>
+          <a:lstStyle/>
+          <a:p>
+            <a:pPr algn="ctr"/>
+            <a:endParaRPr lang="en-RU"/>
+          </a:p>
+        </p:txBody>
+      </p:sp>
+      <p:sp>
+        <p:nvSpPr>
+          <p:cNvPr id="35" name="Left Brace 34">
+            <a:extLst>
+              <a:ext uri="{FF2B5EF4-FFF2-40B4-BE49-F238E27FC236}">
+                <a16:creationId xmlns:a16="http://schemas.microsoft.com/office/drawing/2014/main" id="{4AF907E9-817C-1041-9A0F-3FDE125D989B}"/>
+              </a:ext>
+            </a:extLst>
+          </p:cNvPr>
+          <p:cNvSpPr/>
+          <p:nvPr/>
+        </p:nvSpPr>
+        <p:spPr>
+          <a:xfrm rot="16200000">
+            <a:off x="6934106" y="3020780"/>
+            <a:ext cx="304800" cy="1496383"/>
+          </a:xfrm>
+          <a:prstGeom prst="leftBrace">
+            <a:avLst/>
+          </a:prstGeom>
+        </p:spPr>
+        <p:style>
+          <a:lnRef idx="1">
+            <a:schemeClr val="accent1"/>
+          </a:lnRef>
+          <a:fillRef idx="0">
+            <a:schemeClr val="accent1"/>
+          </a:fillRef>
+          <a:effectRef idx="0">
+            <a:schemeClr val="accent1"/>
+          </a:effectRef>
+          <a:fontRef idx="minor">
+            <a:schemeClr val="tx1"/>
+          </a:fontRef>
+        </p:style>
+        <p:txBody>
+          <a:bodyPr rtlCol="0" anchor="ctr"/>
+          <a:lstStyle/>
+          <a:p>
+            <a:pPr algn="ctr"/>
+            <a:endParaRPr lang="en-RU"/>
+          </a:p>
+        </p:txBody>
+      </p:sp>
+      <p:sp>
+        <p:nvSpPr>
+          <p:cNvPr id="5" name="TextBox 4">
+            <a:extLst>
+              <a:ext uri="{FF2B5EF4-FFF2-40B4-BE49-F238E27FC236}">
+                <a16:creationId xmlns:a16="http://schemas.microsoft.com/office/drawing/2014/main" id="{A2D274E5-A5E3-2D4E-B3B6-5A35A8B28070}"/>
+              </a:ext>
+            </a:extLst>
+          </p:cNvPr>
+          <p:cNvSpPr txBox="1"/>
+          <p:nvPr/>
+        </p:nvSpPr>
+        <p:spPr>
+          <a:xfrm>
+            <a:off x="7761" y="4302233"/>
+            <a:ext cx="656492" cy="276999"/>
+          </a:xfrm>
+          <a:prstGeom prst="rect">
+            <a:avLst/>
+          </a:prstGeom>
+          <a:noFill/>
+        </p:spPr>
+        <p:txBody>
+          <a:bodyPr wrap="square" rtlCol="0">
+            <a:spAutoFit/>
+          </a:bodyPr>
+          <a:lstStyle/>
+          <a:p>
+            <a:r>
+              <a:rPr lang="en-GB" sz="600" dirty="0"/>
+              <a:t>L</a:t>
+            </a:r>
+            <a:r>
+              <a:rPr lang="en-RU" sz="600" dirty="0"/>
+              <a:t>evel definitions</a:t>
+            </a:r>
+          </a:p>
+        </p:txBody>
+      </p:sp>
+      <p:sp>
+        <p:nvSpPr>
+          <p:cNvPr id="12" name="Snip Single Corner of Rectangle 11">
+            <a:extLst>
+              <a:ext uri="{FF2B5EF4-FFF2-40B4-BE49-F238E27FC236}">
+                <a16:creationId xmlns:a16="http://schemas.microsoft.com/office/drawing/2014/main" id="{6132A517-46CB-4A4E-BB8F-CE1FE90410BE}"/>
+              </a:ext>
+            </a:extLst>
+          </p:cNvPr>
+          <p:cNvSpPr/>
+          <p:nvPr/>
+        </p:nvSpPr>
+        <p:spPr>
+          <a:xfrm>
+            <a:off x="1166677" y="4138246"/>
+            <a:ext cx="1235561" cy="440986"/>
+          </a:xfrm>
+          <a:prstGeom prst="snip1Rect">
+            <a:avLst/>
+          </a:prstGeom>
+        </p:spPr>
+        <p:style>
+          <a:lnRef idx="2">
+            <a:schemeClr val="accent1">
+              <a:shade val="50000"/>
+            </a:schemeClr>
+          </a:lnRef>
+          <a:fillRef idx="1">
+            <a:schemeClr val="accent1"/>
+          </a:fillRef>
+          <a:effectRef idx="0">
+            <a:schemeClr val="accent1"/>
+          </a:effectRef>
+          <a:fontRef idx="minor">
+            <a:schemeClr val="lt1"/>
+          </a:fontRef>
+        </p:style>
+        <p:txBody>
+          <a:bodyPr rtlCol="0" anchor="ctr"/>
+          <a:lstStyle/>
+          <a:p>
+            <a:pPr algn="ctr"/>
+            <a:r>
+              <a:rPr lang="en-RU" dirty="0"/>
+              <a:t>zero</a:t>
+            </a:r>
+          </a:p>
+        </p:txBody>
+      </p:sp>
+      <p:sp>
+        <p:nvSpPr>
+          <p:cNvPr id="39" name="Snip Single Corner of Rectangle 38">
+            <a:extLst>
+              <a:ext uri="{FF2B5EF4-FFF2-40B4-BE49-F238E27FC236}">
+                <a16:creationId xmlns:a16="http://schemas.microsoft.com/office/drawing/2014/main" id="{B6F0F781-7BC5-AA41-8F93-AB2683B9A122}"/>
+              </a:ext>
+            </a:extLst>
+          </p:cNvPr>
+          <p:cNvSpPr/>
+          <p:nvPr/>
+        </p:nvSpPr>
+        <p:spPr>
+          <a:xfrm>
+            <a:off x="3246896" y="4138246"/>
+            <a:ext cx="1235561" cy="440986"/>
+          </a:xfrm>
+          <a:prstGeom prst="snip1Rect">
+            <a:avLst/>
+          </a:prstGeom>
+        </p:spPr>
+        <p:style>
+          <a:lnRef idx="2">
+            <a:schemeClr val="accent1">
+              <a:shade val="50000"/>
+            </a:schemeClr>
+          </a:lnRef>
+          <a:fillRef idx="1">
+            <a:schemeClr val="accent1"/>
+          </a:fillRef>
+          <a:effectRef idx="0">
+            <a:schemeClr val="accent1"/>
+          </a:effectRef>
+          <a:fontRef idx="minor">
+            <a:schemeClr val="lt1"/>
+          </a:fontRef>
+        </p:style>
+        <p:txBody>
+          <a:bodyPr rtlCol="0" anchor="ctr"/>
+          <a:lstStyle/>
+          <a:p>
+            <a:pPr algn="ctr"/>
+            <a:r>
+              <a:rPr lang="en-GB" sz="1200" dirty="0"/>
+              <a:t>R</a:t>
+            </a:r>
+            <a:r>
+              <a:rPr lang="en-RU" sz="1200" dirty="0"/>
+              <a:t>ole_selection</a:t>
+            </a:r>
+          </a:p>
+        </p:txBody>
+      </p:sp>
+      <p:sp>
+        <p:nvSpPr>
+          <p:cNvPr id="41" name="Snip Single Corner of Rectangle 40">
+            <a:extLst>
+              <a:ext uri="{FF2B5EF4-FFF2-40B4-BE49-F238E27FC236}">
+                <a16:creationId xmlns:a16="http://schemas.microsoft.com/office/drawing/2014/main" id="{8E5A88A2-0C26-644C-99A8-F608E0AA1341}"/>
+              </a:ext>
+            </a:extLst>
+          </p:cNvPr>
+          <p:cNvSpPr/>
+          <p:nvPr/>
+        </p:nvSpPr>
+        <p:spPr>
+          <a:xfrm>
+            <a:off x="6468725" y="4138246"/>
+            <a:ext cx="1235561" cy="440986"/>
+          </a:xfrm>
+          <a:prstGeom prst="snip1Rect">
+            <a:avLst/>
+          </a:prstGeom>
+        </p:spPr>
+        <p:style>
+          <a:lnRef idx="2">
+            <a:schemeClr val="accent1">
+              <a:shade val="50000"/>
+            </a:schemeClr>
+          </a:lnRef>
+          <a:fillRef idx="1">
+            <a:schemeClr val="accent1"/>
+          </a:fillRef>
+          <a:effectRef idx="0">
+            <a:schemeClr val="accent1"/>
+          </a:effectRef>
+          <a:fontRef idx="minor">
+            <a:schemeClr val="lt1"/>
+          </a:fontRef>
+        </p:style>
+        <p:txBody>
+          <a:bodyPr rtlCol="0" anchor="ctr"/>
+          <a:lstStyle/>
+          <a:p>
+            <a:pPr algn="ctr"/>
+            <a:r>
+              <a:rPr lang="en-GB" sz="1200" dirty="0" err="1"/>
+              <a:t>Event_selection</a:t>
+            </a:r>
+            <a:endParaRPr lang="en-RU" sz="1200" dirty="0"/>
+          </a:p>
+        </p:txBody>
+      </p:sp>
+      <p:sp>
+        <p:nvSpPr>
+          <p:cNvPr id="42" name="Cloud 41">
+            <a:extLst>
+              <a:ext uri="{FF2B5EF4-FFF2-40B4-BE49-F238E27FC236}">
+                <a16:creationId xmlns:a16="http://schemas.microsoft.com/office/drawing/2014/main" id="{7BAACD10-8591-C545-B8C2-C48A8E5F54A6}"/>
+              </a:ext>
+            </a:extLst>
+          </p:cNvPr>
+          <p:cNvSpPr/>
+          <p:nvPr/>
+        </p:nvSpPr>
+        <p:spPr>
+          <a:xfrm>
+            <a:off x="4987309" y="3786025"/>
+            <a:ext cx="1299029" cy="697385"/>
+          </a:xfrm>
+          <a:prstGeom prst="cloud">
+            <a:avLst/>
+          </a:prstGeom>
+        </p:spPr>
+        <p:style>
+          <a:lnRef idx="2">
+            <a:schemeClr val="accent1">
+              <a:shade val="50000"/>
+            </a:schemeClr>
+          </a:lnRef>
+          <a:fillRef idx="1">
+            <a:schemeClr val="accent1"/>
+          </a:fillRef>
+          <a:effectRef idx="0">
+            <a:schemeClr val="accent1"/>
+          </a:effectRef>
+          <a:fontRef idx="minor">
+            <a:schemeClr val="lt1"/>
+          </a:fontRef>
+        </p:style>
+        <p:txBody>
+          <a:bodyPr rtlCol="0" anchor="ctr"/>
+          <a:lstStyle/>
+          <a:p>
+            <a:pPr algn="ctr"/>
+            <a:r>
+              <a:rPr lang="en-RU" dirty="0"/>
+              <a:t>TODO</a:t>
+            </a:r>
+          </a:p>
+        </p:txBody>
+      </p:sp>
     </p:spTree>
     <p:extLst>
       <p:ext uri="{BB962C8B-B14F-4D97-AF65-F5344CB8AC3E}">
